--- a/templates/nila_ppt_template.pptx
+++ b/templates/nila_ppt_template.pptx
@@ -8,8 +8,8 @@
     <p:notesMasterId r:id="rId5"/>
   </p:notesMasterIdLst>
   <p:sldIdLst>
-    <p:sldId id="258" r:id="rId2"/>
-    <p:sldId id="2147481727" r:id="rId3"/>
+    <p:sldId id="293" r:id="rId2"/>
+    <p:sldId id="294" r:id="rId3"/>
     <p:sldId id="292" r:id="rId4"/>
   </p:sldIdLst>
   <p:sldSz cx="12192000" cy="6858000"/>
@@ -275,7 +275,7 @@
           <a:p>
             <a:fld id="{E982F34D-BB0E-4CFA-9317-095761618B7B}" type="datetimeFigureOut">
               <a:rPr lang="en-SG" smtClean="0"/>
-              <a:t>10/9/2024</a:t>
+              <a:t>16/10/2024</a:t>
             </a:fld>
             <a:endParaRPr lang="en-SG"/>
           </a:p>
@@ -543,294 +543,6 @@
 </p:notesMaster>
 </file>
 
-<file path=ppt/notesSlides/notesSlide1.xml><?xml version="1.0" encoding="utf-8"?>
-<p:notes xmlns:a="http://schemas.openxmlformats.org/drawingml/2006/main" xmlns:r="http://schemas.openxmlformats.org/officeDocument/2006/relationships" xmlns:p="http://schemas.openxmlformats.org/presentationml/2006/main">
-  <p:cSld>
-    <p:spTree>
-      <p:nvGrpSpPr>
-        <p:cNvPr id="1" name=""/>
-        <p:cNvGrpSpPr/>
-        <p:nvPr/>
-      </p:nvGrpSpPr>
-      <p:grpSpPr>
-        <a:xfrm>
-          <a:off x="0" y="0"/>
-          <a:ext cx="0" cy="0"/>
-          <a:chOff x="0" y="0"/>
-          <a:chExt cx="0" cy="0"/>
-        </a:xfrm>
-      </p:grpSpPr>
-      <p:sp>
-        <p:nvSpPr>
-          <p:cNvPr id="2" name="Slide Image Placeholder 1"/>
-          <p:cNvSpPr>
-            <a:spLocks noGrp="1" noRot="1" noChangeAspect="1"/>
-          </p:cNvSpPr>
-          <p:nvPr>
-            <p:ph type="sldImg"/>
-          </p:nvPr>
-        </p:nvSpPr>
-        <p:spPr/>
-      </p:sp>
-      <p:sp>
-        <p:nvSpPr>
-          <p:cNvPr id="3" name="Notes Placeholder 2"/>
-          <p:cNvSpPr>
-            <a:spLocks noGrp="1"/>
-          </p:cNvSpPr>
-          <p:nvPr>
-            <p:ph type="body" idx="1"/>
-          </p:nvPr>
-        </p:nvSpPr>
-        <p:spPr/>
-        <p:txBody>
-          <a:bodyPr/>
-          <a:lstStyle/>
-          <a:p>
-            <a:endParaRPr lang="en-US"/>
-          </a:p>
-        </p:txBody>
-      </p:sp>
-      <p:sp>
-        <p:nvSpPr>
-          <p:cNvPr id="4" name="Slide Number Placeholder 3"/>
-          <p:cNvSpPr>
-            <a:spLocks noGrp="1"/>
-          </p:cNvSpPr>
-          <p:nvPr>
-            <p:ph type="sldNum" sz="quarter" idx="5"/>
-          </p:nvPr>
-        </p:nvSpPr>
-        <p:spPr/>
-        <p:txBody>
-          <a:bodyPr/>
-          <a:lstStyle/>
-          <a:p>
-            <a:pPr marL="0" marR="0" lvl="0" indent="0" algn="r" defTabSz="914400" rtl="0" eaLnBrk="1" fontAlgn="auto" latinLnBrk="0" hangingPunct="1">
-              <a:lnSpc>
-                <a:spcPct val="100000"/>
-              </a:lnSpc>
-              <a:spcBef>
-                <a:spcPts val="0"/>
-              </a:spcBef>
-              <a:spcAft>
-                <a:spcPts val="0"/>
-              </a:spcAft>
-              <a:buClrTx/>
-              <a:buSzTx/>
-              <a:buFontTx/>
-              <a:buNone/>
-              <a:tabLst/>
-              <a:defRPr/>
-            </a:pPr>
-            <a:fld id="{1D6ED674-6C77-407E-BF53-72950F1B99F0}" type="slidenum">
-              <a:rPr kumimoji="0" lang="en-US" sz="1200" b="0" i="0" u="none" strike="noStrike" kern="1200" cap="none" spc="0" normalizeH="0" baseline="0" noProof="0" smtClean="0">
-                <a:ln>
-                  <a:noFill/>
-                </a:ln>
-                <a:solidFill>
-                  <a:prstClr val="black"/>
-                </a:solidFill>
-                <a:effectLst/>
-                <a:uLnTx/>
-                <a:uFillTx/>
-                <a:latin typeface="Calibri" panose="020F0502020204030204"/>
-                <a:ea typeface="+mn-ea"/>
-                <a:cs typeface="+mn-cs"/>
-              </a:rPr>
-              <a:pPr marL="0" marR="0" lvl="0" indent="0" algn="r" defTabSz="914400" rtl="0" eaLnBrk="1" fontAlgn="auto" latinLnBrk="0" hangingPunct="1">
-                <a:lnSpc>
-                  <a:spcPct val="100000"/>
-                </a:lnSpc>
-                <a:spcBef>
-                  <a:spcPts val="0"/>
-                </a:spcBef>
-                <a:spcAft>
-                  <a:spcPts val="0"/>
-                </a:spcAft>
-                <a:buClrTx/>
-                <a:buSzTx/>
-                <a:buFontTx/>
-                <a:buNone/>
-                <a:tabLst/>
-                <a:defRPr/>
-              </a:pPr>
-              <a:t>1</a:t>
-            </a:fld>
-            <a:endParaRPr kumimoji="0" lang="en-US" sz="1200" b="0" i="0" u="none" strike="noStrike" kern="1200" cap="none" spc="0" normalizeH="0" baseline="0" noProof="0">
-              <a:ln>
-                <a:noFill/>
-              </a:ln>
-              <a:solidFill>
-                <a:prstClr val="black"/>
-              </a:solidFill>
-              <a:effectLst/>
-              <a:uLnTx/>
-              <a:uFillTx/>
-              <a:latin typeface="Calibri" panose="020F0502020204030204"/>
-              <a:ea typeface="+mn-ea"/>
-              <a:cs typeface="+mn-cs"/>
-            </a:endParaRPr>
-          </a:p>
-        </p:txBody>
-      </p:sp>
-    </p:spTree>
-    <p:extLst>
-      <p:ext uri="{BB962C8B-B14F-4D97-AF65-F5344CB8AC3E}">
-        <p14:creationId xmlns:p14="http://schemas.microsoft.com/office/powerpoint/2010/main" val="2534781128"/>
-      </p:ext>
-    </p:extLst>
-  </p:cSld>
-  <p:clrMapOvr>
-    <a:masterClrMapping/>
-  </p:clrMapOvr>
-</p:notes>
-</file>
-
-<file path=ppt/notesSlides/notesSlide2.xml><?xml version="1.0" encoding="utf-8"?>
-<p:notes xmlns:a="http://schemas.openxmlformats.org/drawingml/2006/main" xmlns:r="http://schemas.openxmlformats.org/officeDocument/2006/relationships" xmlns:p="http://schemas.openxmlformats.org/presentationml/2006/main">
-  <p:cSld>
-    <p:spTree>
-      <p:nvGrpSpPr>
-        <p:cNvPr id="1" name=""/>
-        <p:cNvGrpSpPr/>
-        <p:nvPr/>
-      </p:nvGrpSpPr>
-      <p:grpSpPr>
-        <a:xfrm>
-          <a:off x="0" y="0"/>
-          <a:ext cx="0" cy="0"/>
-          <a:chOff x="0" y="0"/>
-          <a:chExt cx="0" cy="0"/>
-        </a:xfrm>
-      </p:grpSpPr>
-      <p:sp>
-        <p:nvSpPr>
-          <p:cNvPr id="2" name="Slide Image Placeholder 1"/>
-          <p:cNvSpPr>
-            <a:spLocks noGrp="1" noRot="1" noChangeAspect="1"/>
-          </p:cNvSpPr>
-          <p:nvPr>
-            <p:ph type="sldImg"/>
-          </p:nvPr>
-        </p:nvSpPr>
-        <p:spPr/>
-      </p:sp>
-      <p:sp>
-        <p:nvSpPr>
-          <p:cNvPr id="3" name="Notes Placeholder 2"/>
-          <p:cNvSpPr>
-            <a:spLocks noGrp="1"/>
-          </p:cNvSpPr>
-          <p:nvPr>
-            <p:ph type="body" idx="1"/>
-          </p:nvPr>
-        </p:nvSpPr>
-        <p:spPr/>
-        <p:txBody>
-          <a:bodyPr/>
-          <a:lstStyle/>
-          <a:p>
-            <a:endParaRPr lang="en-SG"/>
-          </a:p>
-        </p:txBody>
-      </p:sp>
-      <p:sp>
-        <p:nvSpPr>
-          <p:cNvPr id="4" name="Slide Number Placeholder 3"/>
-          <p:cNvSpPr>
-            <a:spLocks noGrp="1"/>
-          </p:cNvSpPr>
-          <p:nvPr>
-            <p:ph type="sldNum" sz="quarter" idx="5"/>
-          </p:nvPr>
-        </p:nvSpPr>
-        <p:spPr/>
-        <p:txBody>
-          <a:bodyPr/>
-          <a:lstStyle/>
-          <a:p>
-            <a:pPr marL="0" marR="0" lvl="0" indent="0" algn="r" defTabSz="914400" rtl="0" eaLnBrk="1" fontAlgn="auto" latinLnBrk="0" hangingPunct="1">
-              <a:lnSpc>
-                <a:spcPct val="100000"/>
-              </a:lnSpc>
-              <a:spcBef>
-                <a:spcPts val="0"/>
-              </a:spcBef>
-              <a:spcAft>
-                <a:spcPts val="0"/>
-              </a:spcAft>
-              <a:buClrTx/>
-              <a:buSzTx/>
-              <a:buFontTx/>
-              <a:buNone/>
-              <a:tabLst/>
-              <a:defRPr/>
-            </a:pPr>
-            <a:fld id="{1D6ED674-6C77-407E-BF53-72950F1B99F0}" type="slidenum">
-              <a:rPr kumimoji="0" lang="en-US" sz="1200" b="0" i="0" u="none" strike="noStrike" kern="1200" cap="none" spc="0" normalizeH="0" baseline="0" noProof="0" smtClean="0">
-                <a:ln>
-                  <a:noFill/>
-                </a:ln>
-                <a:solidFill>
-                  <a:prstClr val="black"/>
-                </a:solidFill>
-                <a:effectLst/>
-                <a:uLnTx/>
-                <a:uFillTx/>
-                <a:latin typeface="Calibri" panose="020F0502020204030204"/>
-                <a:ea typeface="+mn-ea"/>
-                <a:cs typeface="+mn-cs"/>
-              </a:rPr>
-              <a:pPr marL="0" marR="0" lvl="0" indent="0" algn="r" defTabSz="914400" rtl="0" eaLnBrk="1" fontAlgn="auto" latinLnBrk="0" hangingPunct="1">
-                <a:lnSpc>
-                  <a:spcPct val="100000"/>
-                </a:lnSpc>
-                <a:spcBef>
-                  <a:spcPts val="0"/>
-                </a:spcBef>
-                <a:spcAft>
-                  <a:spcPts val="0"/>
-                </a:spcAft>
-                <a:buClrTx/>
-                <a:buSzTx/>
-                <a:buFontTx/>
-                <a:buNone/>
-                <a:tabLst/>
-                <a:defRPr/>
-              </a:pPr>
-              <a:t>2</a:t>
-            </a:fld>
-            <a:endParaRPr kumimoji="0" lang="en-US" sz="1200" b="0" i="0" u="none" strike="noStrike" kern="1200" cap="none" spc="0" normalizeH="0" baseline="0" noProof="0">
-              <a:ln>
-                <a:noFill/>
-              </a:ln>
-              <a:solidFill>
-                <a:prstClr val="black"/>
-              </a:solidFill>
-              <a:effectLst/>
-              <a:uLnTx/>
-              <a:uFillTx/>
-              <a:latin typeface="Calibri" panose="020F0502020204030204"/>
-              <a:ea typeface="+mn-ea"/>
-              <a:cs typeface="+mn-cs"/>
-            </a:endParaRPr>
-          </a:p>
-        </p:txBody>
-      </p:sp>
-    </p:spTree>
-    <p:extLst>
-      <p:ext uri="{BB962C8B-B14F-4D97-AF65-F5344CB8AC3E}">
-        <p14:creationId xmlns:p14="http://schemas.microsoft.com/office/powerpoint/2010/main" val="3394156465"/>
-      </p:ext>
-    </p:extLst>
-  </p:cSld>
-  <p:clrMapOvr>
-    <a:masterClrMapping/>
-  </p:clrMapOvr>
-</p:notes>
-</file>
-
 <file path=ppt/slideLayouts/slideLayout1.xml><?xml version="1.0" encoding="utf-8"?>
 <p:sldLayout xmlns:a="http://schemas.openxmlformats.org/drawingml/2006/main" xmlns:r="http://schemas.openxmlformats.org/officeDocument/2006/relationships" xmlns:p="http://schemas.openxmlformats.org/presentationml/2006/main" preserve="1">
   <p:cSld name="4_content_white_1col">
@@ -2684,103 +2396,6 @@
 </file>
 
 <file path=ppt/slideLayouts/slideLayout14.xml><?xml version="1.0" encoding="utf-8"?>
-<p:sldLayout xmlns:a="http://schemas.openxmlformats.org/drawingml/2006/main" xmlns:r="http://schemas.openxmlformats.org/officeDocument/2006/relationships" xmlns:p="http://schemas.openxmlformats.org/presentationml/2006/main" type="blank">
-  <p:cSld name="Blank">
-    <p:spTree>
-      <p:nvGrpSpPr>
-        <p:cNvPr id="1" name=""/>
-        <p:cNvGrpSpPr/>
-        <p:nvPr/>
-      </p:nvGrpSpPr>
-      <p:grpSpPr>
-        <a:xfrm>
-          <a:off x="0" y="0"/>
-          <a:ext cx="0" cy="0"/>
-          <a:chOff x="0" y="0"/>
-          <a:chExt cx="0" cy="0"/>
-        </a:xfrm>
-      </p:grpSpPr>
-      <p:sp>
-        <p:nvSpPr>
-          <p:cNvPr id="2" name="Date Placeholder 1"/>
-          <p:cNvSpPr>
-            <a:spLocks noGrp="1"/>
-          </p:cNvSpPr>
-          <p:nvPr>
-            <p:ph type="dt" sz="half" idx="10"/>
-          </p:nvPr>
-        </p:nvSpPr>
-        <p:spPr/>
-        <p:txBody>
-          <a:bodyPr/>
-          <a:lstStyle/>
-          <a:p>
-            <a:fld id="{1D8BD707-D9CF-40AE-B4C6-C98DA3205C09}" type="datetimeFigureOut">
-              <a:rPr lang="en-US" smtClean="0"/>
-              <a:pPr/>
-              <a:t>9/10/2024</a:t>
-            </a:fld>
-            <a:endParaRPr lang="en-US"/>
-          </a:p>
-        </p:txBody>
-      </p:sp>
-      <p:sp>
-        <p:nvSpPr>
-          <p:cNvPr id="3" name="Footer Placeholder 2"/>
-          <p:cNvSpPr>
-            <a:spLocks noGrp="1"/>
-          </p:cNvSpPr>
-          <p:nvPr>
-            <p:ph type="ftr" sz="quarter" idx="11"/>
-          </p:nvPr>
-        </p:nvSpPr>
-        <p:spPr/>
-        <p:txBody>
-          <a:bodyPr/>
-          <a:lstStyle/>
-          <a:p>
-            <a:endParaRPr lang="en-US"/>
-          </a:p>
-        </p:txBody>
-      </p:sp>
-      <p:sp>
-        <p:nvSpPr>
-          <p:cNvPr id="4" name="Slide Number Placeholder 3"/>
-          <p:cNvSpPr>
-            <a:spLocks noGrp="1"/>
-          </p:cNvSpPr>
-          <p:nvPr>
-            <p:ph type="sldNum" sz="quarter" idx="12"/>
-          </p:nvPr>
-        </p:nvSpPr>
-        <p:spPr/>
-        <p:txBody>
-          <a:bodyPr/>
-          <a:lstStyle/>
-          <a:p>
-            <a:fld id="{B6F15528-21DE-4FAA-801E-634DDDAF4B2B}" type="slidenum">
-              <a:rPr lang="en-US" smtClean="0"/>
-              <a:pPr/>
-              <a:t>‹#›</a:t>
-            </a:fld>
-            <a:endParaRPr lang="en-US"/>
-          </a:p>
-        </p:txBody>
-      </p:sp>
-    </p:spTree>
-    <p:extLst>
-      <p:ext uri="{BB962C8B-B14F-4D97-AF65-F5344CB8AC3E}">
-        <p14:creationId xmlns:p14="http://schemas.microsoft.com/office/powerpoint/2010/main" val="147647009"/>
-      </p:ext>
-    </p:extLst>
-  </p:cSld>
-  <p:clrMapOvr>
-    <a:masterClrMapping/>
-  </p:clrMapOvr>
-</p:sldLayout>
-</file>
-
-<file path=ppt/slideLayouts/slideLayout15.xml><?xml version="1.0" encoding="utf-8"?>
 <p:sldLayout xmlns:a="http://schemas.openxmlformats.org/drawingml/2006/main" xmlns:r="http://schemas.openxmlformats.org/officeDocument/2006/relationships" xmlns:p="http://schemas.openxmlformats.org/presentationml/2006/main">
   <p:cSld name="Agenda">
     <p:bg>
@@ -3436,7 +3051,7 @@
 </p:sldLayout>
 </file>
 
-<file path=ppt/slideLayouts/slideLayout16.xml><?xml version="1.0" encoding="utf-8"?>
+<file path=ppt/slideLayouts/slideLayout15.xml><?xml version="1.0" encoding="utf-8"?>
 <p:sldLayout xmlns:a="http://schemas.openxmlformats.org/drawingml/2006/main" xmlns:r="http://schemas.openxmlformats.org/officeDocument/2006/relationships" xmlns:p="http://schemas.openxmlformats.org/presentationml/2006/main">
   <p:cSld name="divider_1">
     <p:bg>
@@ -3801,7 +3416,7 @@
 </p:sldLayout>
 </file>
 
-<file path=ppt/slideLayouts/slideLayout17.xml><?xml version="1.0" encoding="utf-8"?>
+<file path=ppt/slideLayouts/slideLayout16.xml><?xml version="1.0" encoding="utf-8"?>
 <p:sldLayout xmlns:a="http://schemas.openxmlformats.org/drawingml/2006/main" xmlns:r="http://schemas.openxmlformats.org/officeDocument/2006/relationships" xmlns:p="http://schemas.openxmlformats.org/presentationml/2006/main">
   <p:cSld name="divider_2">
     <p:bg>
@@ -4166,7 +3781,7 @@
 </p:sldLayout>
 </file>
 
-<file path=ppt/slideLayouts/slideLayout18.xml><?xml version="1.0" encoding="utf-8"?>
+<file path=ppt/slideLayouts/slideLayout17.xml><?xml version="1.0" encoding="utf-8"?>
 <p:sldLayout xmlns:a="http://schemas.openxmlformats.org/drawingml/2006/main" xmlns:r="http://schemas.openxmlformats.org/officeDocument/2006/relationships" xmlns:p="http://schemas.openxmlformats.org/presentationml/2006/main">
   <p:cSld name="2_divider_3">
     <p:bg>
@@ -4531,7 +4146,7 @@
 </p:sldLayout>
 </file>
 
-<file path=ppt/slideLayouts/slideLayout19.xml><?xml version="1.0" encoding="utf-8"?>
+<file path=ppt/slideLayouts/slideLayout18.xml><?xml version="1.0" encoding="utf-8"?>
 <p:sldLayout xmlns:a="http://schemas.openxmlformats.org/drawingml/2006/main" xmlns:r="http://schemas.openxmlformats.org/officeDocument/2006/relationships" xmlns:p="http://schemas.openxmlformats.org/presentationml/2006/main" userDrawn="1">
   <p:cSld name="1_divider_1">
     <p:bg>
@@ -4714,6 +4329,206 @@
     <p:extLst>
       <p:ext uri="{BB962C8B-B14F-4D97-AF65-F5344CB8AC3E}">
         <p14:creationId xmlns:p14="http://schemas.microsoft.com/office/powerpoint/2010/main" val="3401903852"/>
+      </p:ext>
+    </p:extLst>
+  </p:cSld>
+  <p:clrMapOvr>
+    <a:masterClrMapping/>
+  </p:clrMapOvr>
+</p:sldLayout>
+</file>
+
+<file path=ppt/slideLayouts/slideLayout19.xml><?xml version="1.0" encoding="utf-8"?>
+<p:sldLayout xmlns:a="http://schemas.openxmlformats.org/drawingml/2006/main" xmlns:r="http://schemas.openxmlformats.org/officeDocument/2006/relationships" xmlns:p="http://schemas.openxmlformats.org/presentationml/2006/main" type="obj">
+  <p:cSld name="Title and Content">
+    <p:spTree>
+      <p:nvGrpSpPr>
+        <p:cNvPr id="1" name=""/>
+        <p:cNvGrpSpPr/>
+        <p:nvPr/>
+      </p:nvGrpSpPr>
+      <p:grpSpPr>
+        <a:xfrm>
+          <a:off x="0" y="0"/>
+          <a:ext cx="0" cy="0"/>
+          <a:chOff x="0" y="0"/>
+          <a:chExt cx="0" cy="0"/>
+        </a:xfrm>
+      </p:grpSpPr>
+      <p:sp>
+        <p:nvSpPr>
+          <p:cNvPr id="2" name="Title 1">
+            <a:extLst>
+              <a:ext uri="{FF2B5EF4-FFF2-40B4-BE49-F238E27FC236}">
+                <a16:creationId xmlns:a16="http://schemas.microsoft.com/office/drawing/2014/main" id="{816FF60D-4AEF-2F3D-9BB6-D960EC23901E}"/>
+              </a:ext>
+            </a:extLst>
+          </p:cNvPr>
+          <p:cNvSpPr>
+            <a:spLocks noGrp="1"/>
+          </p:cNvSpPr>
+          <p:nvPr>
+            <p:ph type="title"/>
+          </p:nvPr>
+        </p:nvSpPr>
+        <p:spPr/>
+        <p:txBody>
+          <a:bodyPr/>
+          <a:lstStyle/>
+          <a:p>
+            <a:r>
+              <a:rPr lang="en-US"/>
+              <a:t>Click to edit Master title style</a:t>
+            </a:r>
+            <a:endParaRPr lang="en-SG"/>
+          </a:p>
+        </p:txBody>
+      </p:sp>
+      <p:sp>
+        <p:nvSpPr>
+          <p:cNvPr id="3" name="Content Placeholder 2">
+            <a:extLst>
+              <a:ext uri="{FF2B5EF4-FFF2-40B4-BE49-F238E27FC236}">
+                <a16:creationId xmlns:a16="http://schemas.microsoft.com/office/drawing/2014/main" id="{1193D216-1E48-79D2-D73E-E17E84E92493}"/>
+              </a:ext>
+            </a:extLst>
+          </p:cNvPr>
+          <p:cNvSpPr>
+            <a:spLocks noGrp="1"/>
+          </p:cNvSpPr>
+          <p:nvPr>
+            <p:ph idx="1"/>
+          </p:nvPr>
+        </p:nvSpPr>
+        <p:spPr/>
+        <p:txBody>
+          <a:bodyPr/>
+          <a:lstStyle/>
+          <a:p>
+            <a:pPr lvl="0"/>
+            <a:r>
+              <a:rPr lang="en-US"/>
+              <a:t>Click to edit Master text styles</a:t>
+            </a:r>
+          </a:p>
+          <a:p>
+            <a:pPr lvl="1"/>
+            <a:r>
+              <a:rPr lang="en-US"/>
+              <a:t>Second level</a:t>
+            </a:r>
+          </a:p>
+          <a:p>
+            <a:pPr lvl="2"/>
+            <a:r>
+              <a:rPr lang="en-US"/>
+              <a:t>Third level</a:t>
+            </a:r>
+          </a:p>
+          <a:p>
+            <a:pPr lvl="3"/>
+            <a:r>
+              <a:rPr lang="en-US"/>
+              <a:t>Fourth level</a:t>
+            </a:r>
+          </a:p>
+          <a:p>
+            <a:pPr lvl="4"/>
+            <a:r>
+              <a:rPr lang="en-US"/>
+              <a:t>Fifth level</a:t>
+            </a:r>
+            <a:endParaRPr lang="en-SG"/>
+          </a:p>
+        </p:txBody>
+      </p:sp>
+      <p:sp>
+        <p:nvSpPr>
+          <p:cNvPr id="4" name="Date Placeholder 3">
+            <a:extLst>
+              <a:ext uri="{FF2B5EF4-FFF2-40B4-BE49-F238E27FC236}">
+                <a16:creationId xmlns:a16="http://schemas.microsoft.com/office/drawing/2014/main" id="{BBE3C0F5-AC91-B325-EA41-EDAC0E861CFC}"/>
+              </a:ext>
+            </a:extLst>
+          </p:cNvPr>
+          <p:cNvSpPr>
+            <a:spLocks noGrp="1"/>
+          </p:cNvSpPr>
+          <p:nvPr>
+            <p:ph type="dt" sz="half" idx="10"/>
+          </p:nvPr>
+        </p:nvSpPr>
+        <p:spPr/>
+        <p:txBody>
+          <a:bodyPr/>
+          <a:lstStyle/>
+          <a:p>
+            <a:fld id="{08F43E6F-3837-4967-8752-93520125B6C0}" type="datetimeFigureOut">
+              <a:rPr lang="en-SG" smtClean="0"/>
+              <a:t>16/10/2024</a:t>
+            </a:fld>
+            <a:endParaRPr lang="en-SG"/>
+          </a:p>
+        </p:txBody>
+      </p:sp>
+      <p:sp>
+        <p:nvSpPr>
+          <p:cNvPr id="5" name="Footer Placeholder 4">
+            <a:extLst>
+              <a:ext uri="{FF2B5EF4-FFF2-40B4-BE49-F238E27FC236}">
+                <a16:creationId xmlns:a16="http://schemas.microsoft.com/office/drawing/2014/main" id="{A2766E98-AAFD-802A-6A8B-A7D9D40A0528}"/>
+              </a:ext>
+            </a:extLst>
+          </p:cNvPr>
+          <p:cNvSpPr>
+            <a:spLocks noGrp="1"/>
+          </p:cNvSpPr>
+          <p:nvPr>
+            <p:ph type="ftr" sz="quarter" idx="11"/>
+          </p:nvPr>
+        </p:nvSpPr>
+        <p:spPr/>
+        <p:txBody>
+          <a:bodyPr/>
+          <a:lstStyle/>
+          <a:p>
+            <a:endParaRPr lang="en-SG"/>
+          </a:p>
+        </p:txBody>
+      </p:sp>
+      <p:sp>
+        <p:nvSpPr>
+          <p:cNvPr id="6" name="Slide Number Placeholder 5">
+            <a:extLst>
+              <a:ext uri="{FF2B5EF4-FFF2-40B4-BE49-F238E27FC236}">
+                <a16:creationId xmlns:a16="http://schemas.microsoft.com/office/drawing/2014/main" id="{A21C8CFB-CE9F-763B-5FF5-29277F8A2872}"/>
+              </a:ext>
+            </a:extLst>
+          </p:cNvPr>
+          <p:cNvSpPr>
+            <a:spLocks noGrp="1"/>
+          </p:cNvSpPr>
+          <p:nvPr>
+            <p:ph type="sldNum" sz="quarter" idx="12"/>
+          </p:nvPr>
+        </p:nvSpPr>
+        <p:spPr/>
+        <p:txBody>
+          <a:bodyPr/>
+          <a:lstStyle/>
+          <a:p>
+            <a:fld id="{951E5C93-8ADA-4B1D-A42F-43794500B306}" type="slidenum">
+              <a:rPr lang="en-SG" smtClean="0"/>
+              <a:t>‹#›</a:t>
+            </a:fld>
+            <a:endParaRPr lang="en-SG"/>
+          </a:p>
+        </p:txBody>
+      </p:sp>
+    </p:spTree>
+    <p:extLst>
+      <p:ext uri="{BB962C8B-B14F-4D97-AF65-F5344CB8AC3E}">
+        <p14:creationId xmlns:p14="http://schemas.microsoft.com/office/powerpoint/2010/main" val="2058442503"/>
       </p:ext>
     </p:extLst>
   </p:cSld>
@@ -5869,206 +5684,6 @@
 </file>
 
 <file path=ppt/slideLayouts/slideLayout20.xml><?xml version="1.0" encoding="utf-8"?>
-<p:sldLayout xmlns:a="http://schemas.openxmlformats.org/drawingml/2006/main" xmlns:r="http://schemas.openxmlformats.org/officeDocument/2006/relationships" xmlns:p="http://schemas.openxmlformats.org/presentationml/2006/main" type="obj">
-  <p:cSld name="Title and Content">
-    <p:spTree>
-      <p:nvGrpSpPr>
-        <p:cNvPr id="1" name=""/>
-        <p:cNvGrpSpPr/>
-        <p:nvPr/>
-      </p:nvGrpSpPr>
-      <p:grpSpPr>
-        <a:xfrm>
-          <a:off x="0" y="0"/>
-          <a:ext cx="0" cy="0"/>
-          <a:chOff x="0" y="0"/>
-          <a:chExt cx="0" cy="0"/>
-        </a:xfrm>
-      </p:grpSpPr>
-      <p:sp>
-        <p:nvSpPr>
-          <p:cNvPr id="2" name="Title 1">
-            <a:extLst>
-              <a:ext uri="{FF2B5EF4-FFF2-40B4-BE49-F238E27FC236}">
-                <a16:creationId xmlns:a16="http://schemas.microsoft.com/office/drawing/2014/main" id="{816FF60D-4AEF-2F3D-9BB6-D960EC23901E}"/>
-              </a:ext>
-            </a:extLst>
-          </p:cNvPr>
-          <p:cNvSpPr>
-            <a:spLocks noGrp="1"/>
-          </p:cNvSpPr>
-          <p:nvPr>
-            <p:ph type="title"/>
-          </p:nvPr>
-        </p:nvSpPr>
-        <p:spPr/>
-        <p:txBody>
-          <a:bodyPr/>
-          <a:lstStyle/>
-          <a:p>
-            <a:r>
-              <a:rPr lang="en-US"/>
-              <a:t>Click to edit Master title style</a:t>
-            </a:r>
-            <a:endParaRPr lang="en-SG"/>
-          </a:p>
-        </p:txBody>
-      </p:sp>
-      <p:sp>
-        <p:nvSpPr>
-          <p:cNvPr id="3" name="Content Placeholder 2">
-            <a:extLst>
-              <a:ext uri="{FF2B5EF4-FFF2-40B4-BE49-F238E27FC236}">
-                <a16:creationId xmlns:a16="http://schemas.microsoft.com/office/drawing/2014/main" id="{1193D216-1E48-79D2-D73E-E17E84E92493}"/>
-              </a:ext>
-            </a:extLst>
-          </p:cNvPr>
-          <p:cNvSpPr>
-            <a:spLocks noGrp="1"/>
-          </p:cNvSpPr>
-          <p:nvPr>
-            <p:ph idx="1"/>
-          </p:nvPr>
-        </p:nvSpPr>
-        <p:spPr/>
-        <p:txBody>
-          <a:bodyPr/>
-          <a:lstStyle/>
-          <a:p>
-            <a:pPr lvl="0"/>
-            <a:r>
-              <a:rPr lang="en-US"/>
-              <a:t>Click to edit Master text styles</a:t>
-            </a:r>
-          </a:p>
-          <a:p>
-            <a:pPr lvl="1"/>
-            <a:r>
-              <a:rPr lang="en-US"/>
-              <a:t>Second level</a:t>
-            </a:r>
-          </a:p>
-          <a:p>
-            <a:pPr lvl="2"/>
-            <a:r>
-              <a:rPr lang="en-US"/>
-              <a:t>Third level</a:t>
-            </a:r>
-          </a:p>
-          <a:p>
-            <a:pPr lvl="3"/>
-            <a:r>
-              <a:rPr lang="en-US"/>
-              <a:t>Fourth level</a:t>
-            </a:r>
-          </a:p>
-          <a:p>
-            <a:pPr lvl="4"/>
-            <a:r>
-              <a:rPr lang="en-US"/>
-              <a:t>Fifth level</a:t>
-            </a:r>
-            <a:endParaRPr lang="en-SG"/>
-          </a:p>
-        </p:txBody>
-      </p:sp>
-      <p:sp>
-        <p:nvSpPr>
-          <p:cNvPr id="4" name="Date Placeholder 3">
-            <a:extLst>
-              <a:ext uri="{FF2B5EF4-FFF2-40B4-BE49-F238E27FC236}">
-                <a16:creationId xmlns:a16="http://schemas.microsoft.com/office/drawing/2014/main" id="{BBE3C0F5-AC91-B325-EA41-EDAC0E861CFC}"/>
-              </a:ext>
-            </a:extLst>
-          </p:cNvPr>
-          <p:cNvSpPr>
-            <a:spLocks noGrp="1"/>
-          </p:cNvSpPr>
-          <p:nvPr>
-            <p:ph type="dt" sz="half" idx="10"/>
-          </p:nvPr>
-        </p:nvSpPr>
-        <p:spPr/>
-        <p:txBody>
-          <a:bodyPr/>
-          <a:lstStyle/>
-          <a:p>
-            <a:fld id="{08F43E6F-3837-4967-8752-93520125B6C0}" type="datetimeFigureOut">
-              <a:rPr lang="en-SG" smtClean="0"/>
-              <a:t>10/9/2024</a:t>
-            </a:fld>
-            <a:endParaRPr lang="en-SG"/>
-          </a:p>
-        </p:txBody>
-      </p:sp>
-      <p:sp>
-        <p:nvSpPr>
-          <p:cNvPr id="5" name="Footer Placeholder 4">
-            <a:extLst>
-              <a:ext uri="{FF2B5EF4-FFF2-40B4-BE49-F238E27FC236}">
-                <a16:creationId xmlns:a16="http://schemas.microsoft.com/office/drawing/2014/main" id="{A2766E98-AAFD-802A-6A8B-A7D9D40A0528}"/>
-              </a:ext>
-            </a:extLst>
-          </p:cNvPr>
-          <p:cNvSpPr>
-            <a:spLocks noGrp="1"/>
-          </p:cNvSpPr>
-          <p:nvPr>
-            <p:ph type="ftr" sz="quarter" idx="11"/>
-          </p:nvPr>
-        </p:nvSpPr>
-        <p:spPr/>
-        <p:txBody>
-          <a:bodyPr/>
-          <a:lstStyle/>
-          <a:p>
-            <a:endParaRPr lang="en-SG"/>
-          </a:p>
-        </p:txBody>
-      </p:sp>
-      <p:sp>
-        <p:nvSpPr>
-          <p:cNvPr id="6" name="Slide Number Placeholder 5">
-            <a:extLst>
-              <a:ext uri="{FF2B5EF4-FFF2-40B4-BE49-F238E27FC236}">
-                <a16:creationId xmlns:a16="http://schemas.microsoft.com/office/drawing/2014/main" id="{A21C8CFB-CE9F-763B-5FF5-29277F8A2872}"/>
-              </a:ext>
-            </a:extLst>
-          </p:cNvPr>
-          <p:cNvSpPr>
-            <a:spLocks noGrp="1"/>
-          </p:cNvSpPr>
-          <p:nvPr>
-            <p:ph type="sldNum" sz="quarter" idx="12"/>
-          </p:nvPr>
-        </p:nvSpPr>
-        <p:spPr/>
-        <p:txBody>
-          <a:bodyPr/>
-          <a:lstStyle/>
-          <a:p>
-            <a:fld id="{951E5C93-8ADA-4B1D-A42F-43794500B306}" type="slidenum">
-              <a:rPr lang="en-SG" smtClean="0"/>
-              <a:t>‹#›</a:t>
-            </a:fld>
-            <a:endParaRPr lang="en-SG"/>
-          </a:p>
-        </p:txBody>
-      </p:sp>
-    </p:spTree>
-    <p:extLst>
-      <p:ext uri="{BB962C8B-B14F-4D97-AF65-F5344CB8AC3E}">
-        <p14:creationId xmlns:p14="http://schemas.microsoft.com/office/powerpoint/2010/main" val="2058442503"/>
-      </p:ext>
-    </p:extLst>
-  </p:cSld>
-  <p:clrMapOvr>
-    <a:masterClrMapping/>
-  </p:clrMapOvr>
-</p:sldLayout>
-</file>
-
-<file path=ppt/slideLayouts/slideLayout21.xml><?xml version="1.0" encoding="utf-8"?>
 <p:sldLayout xmlns:a="http://schemas.openxmlformats.org/drawingml/2006/main" xmlns:r="http://schemas.openxmlformats.org/officeDocument/2006/relationships" xmlns:p="http://schemas.openxmlformats.org/presentationml/2006/main" type="title">
   <p:cSld name="Title Slide">
     <p:spTree>
@@ -6217,7 +5832,7 @@
           <a:p>
             <a:fld id="{08F43E6F-3837-4967-8752-93520125B6C0}" type="datetimeFigureOut">
               <a:rPr lang="en-SG" smtClean="0"/>
-              <a:t>10/9/2024</a:t>
+              <a:t>16/10/2024</a:t>
             </a:fld>
             <a:endParaRPr lang="en-SG"/>
           </a:p>
@@ -12937,7 +12552,7 @@
           <p:nvPr/>
         </p:nvPicPr>
         <p:blipFill>
-          <a:blip r:embed="rId23" cstate="email">
+          <a:blip r:embed="rId22" cstate="email">
             <a:extLst>
               <a:ext uri="{28A0092B-C50C-407E-A947-70E740481C1C}">
                 <a14:useLocalDpi xmlns:a14="http://schemas.microsoft.com/office/drawing/2010/main"/>
@@ -13520,14 +13135,13 @@
     <p:sldLayoutId id="2147483672" r:id="rId11"/>
     <p:sldLayoutId id="2147483673" r:id="rId12"/>
     <p:sldLayoutId id="2147483674" r:id="rId13"/>
-    <p:sldLayoutId id="2147483675" r:id="rId14"/>
-    <p:sldLayoutId id="2147483676" r:id="rId15"/>
-    <p:sldLayoutId id="2147483677" r:id="rId16"/>
-    <p:sldLayoutId id="2147483678" r:id="rId17"/>
-    <p:sldLayoutId id="2147483679" r:id="rId18"/>
-    <p:sldLayoutId id="2147483680" r:id="rId19"/>
-    <p:sldLayoutId id="2147483681" r:id="rId20"/>
-    <p:sldLayoutId id="2147483682" r:id="rId21"/>
+    <p:sldLayoutId id="2147483676" r:id="rId14"/>
+    <p:sldLayoutId id="2147483677" r:id="rId15"/>
+    <p:sldLayoutId id="2147483678" r:id="rId16"/>
+    <p:sldLayoutId id="2147483679" r:id="rId17"/>
+    <p:sldLayoutId id="2147483680" r:id="rId18"/>
+    <p:sldLayoutId id="2147483681" r:id="rId19"/>
+    <p:sldLayoutId id="2147483682" r:id="rId20"/>
   </p:sldLayoutIdLst>
   <p:hf hdr="0" ftr="0" dt="0"/>
   <p:txStyles>
@@ -13923,10 +13537,10 @@
       </p:grpSpPr>
       <p:sp>
         <p:nvSpPr>
-          <p:cNvPr id="5" name="Text Placeholder 4">
-            <a:extLst>
-              <a:ext uri="{FF2B5EF4-FFF2-40B4-BE49-F238E27FC236}">
-                <a16:creationId xmlns:a16="http://schemas.microsoft.com/office/drawing/2014/main" id="{E85CFD5B-AA30-D636-BF94-752801DB59A6}"/>
+          <p:cNvPr id="2" name="Text Placeholder 1">
+            <a:extLst>
+              <a:ext uri="{FF2B5EF4-FFF2-40B4-BE49-F238E27FC236}">
+                <a16:creationId xmlns:a16="http://schemas.microsoft.com/office/drawing/2014/main" id="{82ADFD97-E6CA-DD39-67D3-9BE873C22C64}"/>
               </a:ext>
             </a:extLst>
           </p:cNvPr>
@@ -13942,46 +13556,47 @@
           <a:bodyPr/>
           <a:lstStyle/>
           <a:p>
+            <a:r>
+              <a:rPr lang="en-US" dirty="0"/>
+              <a:t>Presentation Title</a:t>
+            </a:r>
             <a:endParaRPr lang="en-SG" dirty="0"/>
           </a:p>
         </p:txBody>
       </p:sp>
       <p:sp>
         <p:nvSpPr>
-          <p:cNvPr id="2" name="TextBox 1">
-            <a:extLst>
-              <a:ext uri="{FF2B5EF4-FFF2-40B4-BE49-F238E27FC236}">
-                <a16:creationId xmlns:a16="http://schemas.microsoft.com/office/drawing/2014/main" id="{22D5999E-164A-393A-EE7C-32E76EEADB44}"/>
-              </a:ext>
-            </a:extLst>
-          </p:cNvPr>
-          <p:cNvSpPr txBox="1"/>
-          <p:nvPr/>
+          <p:cNvPr id="3" name="Text Placeholder 2">
+            <a:extLst>
+              <a:ext uri="{FF2B5EF4-FFF2-40B4-BE49-F238E27FC236}">
+                <a16:creationId xmlns:a16="http://schemas.microsoft.com/office/drawing/2014/main" id="{4EFA331E-75EE-AAA3-2CBF-9203EDF9D23B}"/>
+              </a:ext>
+            </a:extLst>
+          </p:cNvPr>
+          <p:cNvSpPr>
+            <a:spLocks noGrp="1"/>
+          </p:cNvSpPr>
+          <p:nvPr>
+            <p:ph type="body" sz="quarter" idx="12"/>
+          </p:nvPr>
         </p:nvSpPr>
-        <p:spPr>
-          <a:xfrm>
-            <a:off x="679890" y="5142271"/>
-            <a:ext cx="7353066" cy="369332"/>
-          </a:xfrm>
-          <a:prstGeom prst="rect">
-            <a:avLst/>
-          </a:prstGeom>
-          <a:noFill/>
-        </p:spPr>
+        <p:spPr/>
         <p:txBody>
-          <a:bodyPr wrap="square" rtlCol="0">
-            <a:spAutoFit/>
-          </a:bodyPr>
+          <a:bodyPr/>
           <a:lstStyle/>
           <a:p>
-            <a:endParaRPr lang="en-US" i="1" dirty="0"/>
+            <a:r>
+              <a:rPr lang="en-US" dirty="0"/>
+              <a:t>datetime</a:t>
+            </a:r>
+            <a:endParaRPr lang="en-SG" dirty="0"/>
           </a:p>
         </p:txBody>
       </p:sp>
     </p:spTree>
     <p:extLst>
       <p:ext uri="{BB962C8B-B14F-4D97-AF65-F5344CB8AC3E}">
-        <p14:creationId xmlns:p14="http://schemas.microsoft.com/office/powerpoint/2010/main" val="3236300958"/>
+        <p14:creationId xmlns:p14="http://schemas.microsoft.com/office/powerpoint/2010/main" val="3040665913"/>
       </p:ext>
     </p:extLst>
   </p:cSld>
@@ -14010,45 +13625,66 @@
       </p:grpSpPr>
       <p:sp>
         <p:nvSpPr>
-          <p:cNvPr id="2" name="TextBox 1">
-            <a:extLst>
-              <a:ext uri="{FF2B5EF4-FFF2-40B4-BE49-F238E27FC236}">
-                <a16:creationId xmlns:a16="http://schemas.microsoft.com/office/drawing/2014/main" id="{C4FE095D-04F6-C68C-D03A-EF1F3B0B111D}"/>
-              </a:ext>
-            </a:extLst>
-          </p:cNvPr>
-          <p:cNvSpPr txBox="1"/>
-          <p:nvPr/>
+          <p:cNvPr id="4" name="Title 3">
+            <a:extLst>
+              <a:ext uri="{FF2B5EF4-FFF2-40B4-BE49-F238E27FC236}">
+                <a16:creationId xmlns:a16="http://schemas.microsoft.com/office/drawing/2014/main" id="{811FBB94-9C3C-0153-72C3-493DF17EE945}"/>
+              </a:ext>
+            </a:extLst>
+          </p:cNvPr>
+          <p:cNvSpPr>
+            <a:spLocks noGrp="1"/>
+          </p:cNvSpPr>
+          <p:nvPr>
+            <p:ph type="title"/>
+          </p:nvPr>
         </p:nvSpPr>
-        <p:spPr>
-          <a:xfrm>
-            <a:off x="442452" y="452285"/>
-            <a:ext cx="184731" cy="369332"/>
-          </a:xfrm>
-          <a:prstGeom prst="rect">
-            <a:avLst/>
-          </a:prstGeom>
-          <a:noFill/>
-        </p:spPr>
+        <p:spPr/>
         <p:txBody>
-          <a:bodyPr wrap="none" rtlCol="0">
-            <a:spAutoFit/>
-          </a:bodyPr>
+          <a:bodyPr/>
           <a:lstStyle/>
           <a:p>
-            <a:endParaRPr lang="en-US" b="1" dirty="0">
-              <a:solidFill>
-                <a:schemeClr val="bg1"/>
-              </a:solidFill>
-              <a:latin typeface="Ubuntu" panose="020B0504030602030204" pitchFamily="34" charset="0"/>
-            </a:endParaRPr>
+            <a:r>
+              <a:rPr lang="en-US" dirty="0"/>
+              <a:t>Slide Title</a:t>
+            </a:r>
+            <a:endParaRPr lang="en-SG" dirty="0"/>
+          </a:p>
+        </p:txBody>
+      </p:sp>
+      <p:sp>
+        <p:nvSpPr>
+          <p:cNvPr id="5" name="Text Placeholder 4">
+            <a:extLst>
+              <a:ext uri="{FF2B5EF4-FFF2-40B4-BE49-F238E27FC236}">
+                <a16:creationId xmlns:a16="http://schemas.microsoft.com/office/drawing/2014/main" id="{0616E814-001D-E631-B8C9-CCAA14A3127E}"/>
+              </a:ext>
+            </a:extLst>
+          </p:cNvPr>
+          <p:cNvSpPr>
+            <a:spLocks noGrp="1"/>
+          </p:cNvSpPr>
+          <p:nvPr>
+            <p:ph type="body" sz="quarter" idx="10"/>
+          </p:nvPr>
+        </p:nvSpPr>
+        <p:spPr/>
+        <p:txBody>
+          <a:bodyPr/>
+          <a:lstStyle/>
+          <a:p>
+            <a:r>
+              <a:rPr lang="en-US"/>
+              <a:t>Slide content</a:t>
+            </a:r>
+            <a:endParaRPr lang="en-SG" dirty="0"/>
           </a:p>
         </p:txBody>
       </p:sp>
     </p:spTree>
     <p:extLst>
       <p:ext uri="{BB962C8B-B14F-4D97-AF65-F5344CB8AC3E}">
-        <p14:creationId xmlns:p14="http://schemas.microsoft.com/office/powerpoint/2010/main" val="1903440597"/>
+        <p14:creationId xmlns:p14="http://schemas.microsoft.com/office/powerpoint/2010/main" val="1749395763"/>
       </p:ext>
     </p:extLst>
   </p:cSld>
